--- a/presentation/render/eng_intrinsic_drive.pptx
+++ b/presentation/render/eng_intrinsic_drive.pptx
@@ -7,7 +7,7 @@
   <p:sldIdLst>
     <p:sldId id="256" r:id="rId2"/>
   </p:sldIdLst>
-  <p:sldSz cx="9144000" cy="6858000" type="screen4x3"/>
+  <p:sldSz cx="12192000" cy="6858000"/>
   <p:notesSz cx="6858000" cy="9144000"/>
   <p:defaultTextStyle>
     <a:defPPr>
@@ -107,12 +107,12 @@
   <p:extLst>
     <p:ext uri="{EFAFB233-063F-42B5-8137-9DF3F51BA10A}">
       <p15:sldGuideLst xmlns:p15="http://schemas.microsoft.com/office/powerpoint/2012/main">
-        <p15:guide id="1" orient="horz" pos="2160">
+        <p15:guide id="1" orient="horz" pos="2160" userDrawn="1">
           <p15:clr>
             <a:srgbClr val="A4A3A4"/>
           </p15:clr>
         </p15:guide>
-        <p15:guide id="2" pos="2880">
+        <p15:guide id="2" pos="3840" userDrawn="1">
           <p15:clr>
             <a:srgbClr val="A4A3A4"/>
           </p15:clr>
@@ -152,8 +152,8 @@
         </p:nvSpPr>
         <p:spPr>
           <a:xfrm>
-            <a:off x="685800" y="2130425"/>
-            <a:ext cx="7772400" cy="1470025"/>
+            <a:off x="914400" y="2130426"/>
+            <a:ext cx="10363200" cy="1470025"/>
           </a:xfrm>
         </p:spPr>
         <p:txBody>
@@ -161,10 +161,9 @@
           <a:lstStyle/>
           <a:p>
             <a:r>
-              <a:rPr lang="en-US" smtClean="0"/>
+              <a:rPr lang="en-US"/>
               <a:t>Click to edit Master title style</a:t>
             </a:r>
-            <a:endParaRPr lang="en-US"/>
           </a:p>
         </p:txBody>
       </p:sp>
@@ -180,8 +179,8 @@
         </p:nvSpPr>
         <p:spPr>
           <a:xfrm>
-            <a:off x="1371600" y="3886200"/>
-            <a:ext cx="6400800" cy="1752600"/>
+            <a:off x="1828800" y="3886200"/>
+            <a:ext cx="8534400" cy="1752600"/>
           </a:xfrm>
         </p:spPr>
         <p:txBody>
@@ -280,10 +279,9 @@
           </a:lstStyle>
           <a:p>
             <a:r>
-              <a:rPr lang="en-US" smtClean="0"/>
+              <a:rPr lang="en-US"/>
               <a:t>Click to edit Master subtitle style</a:t>
             </a:r>
-            <a:endParaRPr lang="en-US"/>
           </a:p>
         </p:txBody>
       </p:sp>
@@ -304,7 +302,7 @@
           <a:p>
             <a:fld id="{241EB5C9-1307-BA42-ABA2-0BC069CD8E7F}" type="datetimeFigureOut">
               <a:rPr lang="en-US" smtClean="0"/>
-              <a:t>4/5/2019</a:t>
+              <a:t>2021-11-07</a:t>
             </a:fld>
             <a:endParaRPr lang="en-US"/>
           </a:p>
@@ -398,10 +396,9 @@
           <a:lstStyle/>
           <a:p>
             <a:r>
-              <a:rPr lang="en-US" smtClean="0"/>
+              <a:rPr lang="en-US"/>
               <a:t>Click to edit Master title style</a:t>
             </a:r>
-            <a:endParaRPr lang="en-US"/>
           </a:p>
         </p:txBody>
       </p:sp>
@@ -422,38 +419,37 @@
           <a:p>
             <a:pPr lvl="0"/>
             <a:r>
-              <a:rPr lang="en-US" smtClean="0"/>
+              <a:rPr lang="en-US"/>
               <a:t>Click to edit Master text styles</a:t>
             </a:r>
           </a:p>
           <a:p>
             <a:pPr lvl="1"/>
             <a:r>
-              <a:rPr lang="en-US" smtClean="0"/>
+              <a:rPr lang="en-US"/>
               <a:t>Second level</a:t>
             </a:r>
           </a:p>
           <a:p>
             <a:pPr lvl="2"/>
             <a:r>
-              <a:rPr lang="en-US" smtClean="0"/>
+              <a:rPr lang="en-US"/>
               <a:t>Third level</a:t>
             </a:r>
           </a:p>
           <a:p>
             <a:pPr lvl="3"/>
             <a:r>
-              <a:rPr lang="en-US" smtClean="0"/>
+              <a:rPr lang="en-US"/>
               <a:t>Fourth level</a:t>
             </a:r>
           </a:p>
           <a:p>
             <a:pPr lvl="4"/>
             <a:r>
-              <a:rPr lang="en-US" smtClean="0"/>
+              <a:rPr lang="en-US"/>
               <a:t>Fifth level</a:t>
             </a:r>
-            <a:endParaRPr lang="en-US"/>
           </a:p>
         </p:txBody>
       </p:sp>
@@ -474,7 +470,7 @@
           <a:p>
             <a:fld id="{241EB5C9-1307-BA42-ABA2-0BC069CD8E7F}" type="datetimeFigureOut">
               <a:rPr lang="en-US" smtClean="0"/>
-              <a:t>4/5/2019</a:t>
+              <a:t>2021-11-07</a:t>
             </a:fld>
             <a:endParaRPr lang="en-US"/>
           </a:p>
@@ -564,8 +560,8 @@
         </p:nvSpPr>
         <p:spPr>
           <a:xfrm>
-            <a:off x="6629400" y="274638"/>
-            <a:ext cx="2057400" cy="5851525"/>
+            <a:off x="8839200" y="274639"/>
+            <a:ext cx="2743200" cy="5851525"/>
           </a:xfrm>
         </p:spPr>
         <p:txBody>
@@ -573,10 +569,9 @@
           <a:lstStyle/>
           <a:p>
             <a:r>
-              <a:rPr lang="en-US" smtClean="0"/>
+              <a:rPr lang="en-US"/>
               <a:t>Click to edit Master title style</a:t>
             </a:r>
-            <a:endParaRPr lang="en-US"/>
           </a:p>
         </p:txBody>
       </p:sp>
@@ -592,8 +587,8 @@
         </p:nvSpPr>
         <p:spPr>
           <a:xfrm>
-            <a:off x="457200" y="274638"/>
-            <a:ext cx="6019800" cy="5851525"/>
+            <a:off x="609600" y="274639"/>
+            <a:ext cx="8026400" cy="5851525"/>
           </a:xfrm>
         </p:spPr>
         <p:txBody>
@@ -602,38 +597,37 @@
           <a:p>
             <a:pPr lvl="0"/>
             <a:r>
-              <a:rPr lang="en-US" smtClean="0"/>
+              <a:rPr lang="en-US"/>
               <a:t>Click to edit Master text styles</a:t>
             </a:r>
           </a:p>
           <a:p>
             <a:pPr lvl="1"/>
             <a:r>
-              <a:rPr lang="en-US" smtClean="0"/>
+              <a:rPr lang="en-US"/>
               <a:t>Second level</a:t>
             </a:r>
           </a:p>
           <a:p>
             <a:pPr lvl="2"/>
             <a:r>
-              <a:rPr lang="en-US" smtClean="0"/>
+              <a:rPr lang="en-US"/>
               <a:t>Third level</a:t>
             </a:r>
           </a:p>
           <a:p>
             <a:pPr lvl="3"/>
             <a:r>
-              <a:rPr lang="en-US" smtClean="0"/>
+              <a:rPr lang="en-US"/>
               <a:t>Fourth level</a:t>
             </a:r>
           </a:p>
           <a:p>
             <a:pPr lvl="4"/>
             <a:r>
-              <a:rPr lang="en-US" smtClean="0"/>
+              <a:rPr lang="en-US"/>
               <a:t>Fifth level</a:t>
             </a:r>
-            <a:endParaRPr lang="en-US"/>
           </a:p>
         </p:txBody>
       </p:sp>
@@ -654,7 +648,7 @@
           <a:p>
             <a:fld id="{241EB5C9-1307-BA42-ABA2-0BC069CD8E7F}" type="datetimeFigureOut">
               <a:rPr lang="en-US" smtClean="0"/>
-              <a:t>4/5/2019</a:t>
+              <a:t>2021-11-07</a:t>
             </a:fld>
             <a:endParaRPr lang="en-US"/>
           </a:p>
@@ -748,10 +742,9 @@
           <a:lstStyle/>
           <a:p>
             <a:r>
-              <a:rPr lang="en-US" smtClean="0"/>
+              <a:rPr lang="en-US"/>
               <a:t>Click to edit Master title style</a:t>
             </a:r>
-            <a:endParaRPr lang="en-US"/>
           </a:p>
         </p:txBody>
       </p:sp>
@@ -772,38 +765,37 @@
           <a:p>
             <a:pPr lvl="0"/>
             <a:r>
-              <a:rPr lang="en-US" smtClean="0"/>
+              <a:rPr lang="en-US"/>
               <a:t>Click to edit Master text styles</a:t>
             </a:r>
           </a:p>
           <a:p>
             <a:pPr lvl="1"/>
             <a:r>
-              <a:rPr lang="en-US" smtClean="0"/>
+              <a:rPr lang="en-US"/>
               <a:t>Second level</a:t>
             </a:r>
           </a:p>
           <a:p>
             <a:pPr lvl="2"/>
             <a:r>
-              <a:rPr lang="en-US" smtClean="0"/>
+              <a:rPr lang="en-US"/>
               <a:t>Third level</a:t>
             </a:r>
           </a:p>
           <a:p>
             <a:pPr lvl="3"/>
             <a:r>
-              <a:rPr lang="en-US" smtClean="0"/>
+              <a:rPr lang="en-US"/>
               <a:t>Fourth level</a:t>
             </a:r>
           </a:p>
           <a:p>
             <a:pPr lvl="4"/>
             <a:r>
-              <a:rPr lang="en-US" smtClean="0"/>
+              <a:rPr lang="en-US"/>
               <a:t>Fifth level</a:t>
             </a:r>
-            <a:endParaRPr lang="en-US"/>
           </a:p>
         </p:txBody>
       </p:sp>
@@ -824,7 +816,7 @@
           <a:p>
             <a:fld id="{241EB5C9-1307-BA42-ABA2-0BC069CD8E7F}" type="datetimeFigureOut">
               <a:rPr lang="en-US" smtClean="0"/>
-              <a:t>4/5/2019</a:t>
+              <a:t>2021-11-07</a:t>
             </a:fld>
             <a:endParaRPr lang="en-US"/>
           </a:p>
@@ -914,8 +906,8 @@
         </p:nvSpPr>
         <p:spPr>
           <a:xfrm>
-            <a:off x="722313" y="4406900"/>
-            <a:ext cx="7772400" cy="1362075"/>
+            <a:off x="963084" y="4406901"/>
+            <a:ext cx="10363200" cy="1362075"/>
           </a:xfrm>
         </p:spPr>
         <p:txBody>
@@ -927,10 +919,9 @@
           </a:lstStyle>
           <a:p>
             <a:r>
-              <a:rPr lang="en-US" smtClean="0"/>
+              <a:rPr lang="en-US"/>
               <a:t>Click to edit Master title style</a:t>
             </a:r>
-            <a:endParaRPr lang="en-US"/>
           </a:p>
         </p:txBody>
       </p:sp>
@@ -946,8 +937,8 @@
         </p:nvSpPr>
         <p:spPr>
           <a:xfrm>
-            <a:off x="722313" y="2906713"/>
-            <a:ext cx="7772400" cy="1500187"/>
+            <a:off x="963084" y="2906713"/>
+            <a:ext cx="10363200" cy="1500187"/>
           </a:xfrm>
         </p:spPr>
         <p:txBody>
@@ -1047,7 +1038,7 @@
           <a:p>
             <a:pPr lvl="0"/>
             <a:r>
-              <a:rPr lang="en-US" smtClean="0"/>
+              <a:rPr lang="en-US"/>
               <a:t>Click to edit Master text styles</a:t>
             </a:r>
           </a:p>
@@ -1070,7 +1061,7 @@
           <a:p>
             <a:fld id="{241EB5C9-1307-BA42-ABA2-0BC069CD8E7F}" type="datetimeFigureOut">
               <a:rPr lang="en-US" smtClean="0"/>
-              <a:t>4/5/2019</a:t>
+              <a:t>2021-11-07</a:t>
             </a:fld>
             <a:endParaRPr lang="en-US"/>
           </a:p>
@@ -1164,10 +1155,9 @@
           <a:lstStyle/>
           <a:p>
             <a:r>
-              <a:rPr lang="en-US" smtClean="0"/>
+              <a:rPr lang="en-US"/>
               <a:t>Click to edit Master title style</a:t>
             </a:r>
-            <a:endParaRPr lang="en-US"/>
           </a:p>
         </p:txBody>
       </p:sp>
@@ -1183,8 +1173,8 @@
         </p:nvSpPr>
         <p:spPr>
           <a:xfrm>
-            <a:off x="457200" y="1600200"/>
-            <a:ext cx="4038600" cy="4525963"/>
+            <a:off x="609600" y="1600201"/>
+            <a:ext cx="5384800" cy="4525963"/>
           </a:xfrm>
         </p:spPr>
         <p:txBody>
@@ -1221,38 +1211,37 @@
           <a:p>
             <a:pPr lvl="0"/>
             <a:r>
-              <a:rPr lang="en-US" smtClean="0"/>
+              <a:rPr lang="en-US"/>
               <a:t>Click to edit Master text styles</a:t>
             </a:r>
           </a:p>
           <a:p>
             <a:pPr lvl="1"/>
             <a:r>
-              <a:rPr lang="en-US" smtClean="0"/>
+              <a:rPr lang="en-US"/>
               <a:t>Second level</a:t>
             </a:r>
           </a:p>
           <a:p>
             <a:pPr lvl="2"/>
             <a:r>
-              <a:rPr lang="en-US" smtClean="0"/>
+              <a:rPr lang="en-US"/>
               <a:t>Third level</a:t>
             </a:r>
           </a:p>
           <a:p>
             <a:pPr lvl="3"/>
             <a:r>
-              <a:rPr lang="en-US" smtClean="0"/>
+              <a:rPr lang="en-US"/>
               <a:t>Fourth level</a:t>
             </a:r>
           </a:p>
           <a:p>
             <a:pPr lvl="4"/>
             <a:r>
-              <a:rPr lang="en-US" smtClean="0"/>
+              <a:rPr lang="en-US"/>
               <a:t>Fifth level</a:t>
             </a:r>
-            <a:endParaRPr lang="en-US"/>
           </a:p>
         </p:txBody>
       </p:sp>
@@ -1268,8 +1257,8 @@
         </p:nvSpPr>
         <p:spPr>
           <a:xfrm>
-            <a:off x="4648200" y="1600200"/>
-            <a:ext cx="4038600" cy="4525963"/>
+            <a:off x="6197600" y="1600201"/>
+            <a:ext cx="5384800" cy="4525963"/>
           </a:xfrm>
         </p:spPr>
         <p:txBody>
@@ -1306,38 +1295,37 @@
           <a:p>
             <a:pPr lvl="0"/>
             <a:r>
-              <a:rPr lang="en-US" smtClean="0"/>
+              <a:rPr lang="en-US"/>
               <a:t>Click to edit Master text styles</a:t>
             </a:r>
           </a:p>
           <a:p>
             <a:pPr lvl="1"/>
             <a:r>
-              <a:rPr lang="en-US" smtClean="0"/>
+              <a:rPr lang="en-US"/>
               <a:t>Second level</a:t>
             </a:r>
           </a:p>
           <a:p>
             <a:pPr lvl="2"/>
             <a:r>
-              <a:rPr lang="en-US" smtClean="0"/>
+              <a:rPr lang="en-US"/>
               <a:t>Third level</a:t>
             </a:r>
           </a:p>
           <a:p>
             <a:pPr lvl="3"/>
             <a:r>
-              <a:rPr lang="en-US" smtClean="0"/>
+              <a:rPr lang="en-US"/>
               <a:t>Fourth level</a:t>
             </a:r>
           </a:p>
           <a:p>
             <a:pPr lvl="4"/>
             <a:r>
-              <a:rPr lang="en-US" smtClean="0"/>
+              <a:rPr lang="en-US"/>
               <a:t>Fifth level</a:t>
             </a:r>
-            <a:endParaRPr lang="en-US"/>
           </a:p>
         </p:txBody>
       </p:sp>
@@ -1358,7 +1346,7 @@
           <a:p>
             <a:fld id="{241EB5C9-1307-BA42-ABA2-0BC069CD8E7F}" type="datetimeFigureOut">
               <a:rPr lang="en-US" smtClean="0"/>
-              <a:t>4/5/2019</a:t>
+              <a:t>2021-11-07</a:t>
             </a:fld>
             <a:endParaRPr lang="en-US"/>
           </a:p>
@@ -1456,10 +1444,9 @@
           </a:lstStyle>
           <a:p>
             <a:r>
-              <a:rPr lang="en-US" smtClean="0"/>
+              <a:rPr lang="en-US"/>
               <a:t>Click to edit Master title style</a:t>
             </a:r>
-            <a:endParaRPr lang="en-US"/>
           </a:p>
         </p:txBody>
       </p:sp>
@@ -1475,8 +1462,8 @@
         </p:nvSpPr>
         <p:spPr>
           <a:xfrm>
-            <a:off x="457200" y="1535113"/>
-            <a:ext cx="4040188" cy="639762"/>
+            <a:off x="609600" y="1535113"/>
+            <a:ext cx="5386917" cy="639762"/>
           </a:xfrm>
         </p:spPr>
         <p:txBody>
@@ -1522,7 +1509,7 @@
           <a:p>
             <a:pPr lvl="0"/>
             <a:r>
-              <a:rPr lang="en-US" smtClean="0"/>
+              <a:rPr lang="en-US"/>
               <a:t>Click to edit Master text styles</a:t>
             </a:r>
           </a:p>
@@ -1540,8 +1527,8 @@
         </p:nvSpPr>
         <p:spPr>
           <a:xfrm>
-            <a:off x="457200" y="2174875"/>
-            <a:ext cx="4040188" cy="3951288"/>
+            <a:off x="609600" y="2174875"/>
+            <a:ext cx="5386917" cy="3951288"/>
           </a:xfrm>
         </p:spPr>
         <p:txBody>
@@ -1578,38 +1565,37 @@
           <a:p>
             <a:pPr lvl="0"/>
             <a:r>
-              <a:rPr lang="en-US" smtClean="0"/>
+              <a:rPr lang="en-US"/>
               <a:t>Click to edit Master text styles</a:t>
             </a:r>
           </a:p>
           <a:p>
             <a:pPr lvl="1"/>
             <a:r>
-              <a:rPr lang="en-US" smtClean="0"/>
+              <a:rPr lang="en-US"/>
               <a:t>Second level</a:t>
             </a:r>
           </a:p>
           <a:p>
             <a:pPr lvl="2"/>
             <a:r>
-              <a:rPr lang="en-US" smtClean="0"/>
+              <a:rPr lang="en-US"/>
               <a:t>Third level</a:t>
             </a:r>
           </a:p>
           <a:p>
             <a:pPr lvl="3"/>
             <a:r>
-              <a:rPr lang="en-US" smtClean="0"/>
+              <a:rPr lang="en-US"/>
               <a:t>Fourth level</a:t>
             </a:r>
           </a:p>
           <a:p>
             <a:pPr lvl="4"/>
             <a:r>
-              <a:rPr lang="en-US" smtClean="0"/>
+              <a:rPr lang="en-US"/>
               <a:t>Fifth level</a:t>
             </a:r>
-            <a:endParaRPr lang="en-US"/>
           </a:p>
         </p:txBody>
       </p:sp>
@@ -1625,8 +1611,8 @@
         </p:nvSpPr>
         <p:spPr>
           <a:xfrm>
-            <a:off x="4645025" y="1535113"/>
-            <a:ext cx="4041775" cy="639762"/>
+            <a:off x="6193368" y="1535113"/>
+            <a:ext cx="5389033" cy="639762"/>
           </a:xfrm>
         </p:spPr>
         <p:txBody>
@@ -1672,7 +1658,7 @@
           <a:p>
             <a:pPr lvl="0"/>
             <a:r>
-              <a:rPr lang="en-US" smtClean="0"/>
+              <a:rPr lang="en-US"/>
               <a:t>Click to edit Master text styles</a:t>
             </a:r>
           </a:p>
@@ -1690,8 +1676,8 @@
         </p:nvSpPr>
         <p:spPr>
           <a:xfrm>
-            <a:off x="4645025" y="2174875"/>
-            <a:ext cx="4041775" cy="3951288"/>
+            <a:off x="6193368" y="2174875"/>
+            <a:ext cx="5389033" cy="3951288"/>
           </a:xfrm>
         </p:spPr>
         <p:txBody>
@@ -1728,38 +1714,37 @@
           <a:p>
             <a:pPr lvl="0"/>
             <a:r>
-              <a:rPr lang="en-US" smtClean="0"/>
+              <a:rPr lang="en-US"/>
               <a:t>Click to edit Master text styles</a:t>
             </a:r>
           </a:p>
           <a:p>
             <a:pPr lvl="1"/>
             <a:r>
-              <a:rPr lang="en-US" smtClean="0"/>
+              <a:rPr lang="en-US"/>
               <a:t>Second level</a:t>
             </a:r>
           </a:p>
           <a:p>
             <a:pPr lvl="2"/>
             <a:r>
-              <a:rPr lang="en-US" smtClean="0"/>
+              <a:rPr lang="en-US"/>
               <a:t>Third level</a:t>
             </a:r>
           </a:p>
           <a:p>
             <a:pPr lvl="3"/>
             <a:r>
-              <a:rPr lang="en-US" smtClean="0"/>
+              <a:rPr lang="en-US"/>
               <a:t>Fourth level</a:t>
             </a:r>
           </a:p>
           <a:p>
             <a:pPr lvl="4"/>
             <a:r>
-              <a:rPr lang="en-US" smtClean="0"/>
+              <a:rPr lang="en-US"/>
               <a:t>Fifth level</a:t>
             </a:r>
-            <a:endParaRPr lang="en-US"/>
           </a:p>
         </p:txBody>
       </p:sp>
@@ -1780,7 +1765,7 @@
           <a:p>
             <a:fld id="{241EB5C9-1307-BA42-ABA2-0BC069CD8E7F}" type="datetimeFigureOut">
               <a:rPr lang="en-US" smtClean="0"/>
-              <a:t>4/5/2019</a:t>
+              <a:t>2021-11-07</a:t>
             </a:fld>
             <a:endParaRPr lang="en-US"/>
           </a:p>
@@ -1874,10 +1859,9 @@
           <a:lstStyle/>
           <a:p>
             <a:r>
-              <a:rPr lang="en-US" smtClean="0"/>
+              <a:rPr lang="en-US"/>
               <a:t>Click to edit Master title style</a:t>
             </a:r>
-            <a:endParaRPr lang="en-US"/>
           </a:p>
         </p:txBody>
       </p:sp>
@@ -1898,7 +1882,7 @@
           <a:p>
             <a:fld id="{241EB5C9-1307-BA42-ABA2-0BC069CD8E7F}" type="datetimeFigureOut">
               <a:rPr lang="en-US" smtClean="0"/>
-              <a:t>4/5/2019</a:t>
+              <a:t>2021-11-07</a:t>
             </a:fld>
             <a:endParaRPr lang="en-US"/>
           </a:p>
@@ -1993,7 +1977,7 @@
           <a:p>
             <a:fld id="{241EB5C9-1307-BA42-ABA2-0BC069CD8E7F}" type="datetimeFigureOut">
               <a:rPr lang="en-US" smtClean="0"/>
-              <a:t>4/5/2019</a:t>
+              <a:t>2021-11-07</a:t>
             </a:fld>
             <a:endParaRPr lang="en-US"/>
           </a:p>
@@ -2083,8 +2067,8 @@
         </p:nvSpPr>
         <p:spPr>
           <a:xfrm>
-            <a:off x="457200" y="273050"/>
-            <a:ext cx="3008313" cy="1162050"/>
+            <a:off x="609601" y="273050"/>
+            <a:ext cx="4011084" cy="1162050"/>
           </a:xfrm>
         </p:spPr>
         <p:txBody>
@@ -2096,10 +2080,9 @@
           </a:lstStyle>
           <a:p>
             <a:r>
-              <a:rPr lang="en-US" smtClean="0"/>
+              <a:rPr lang="en-US"/>
               <a:t>Click to edit Master title style</a:t>
             </a:r>
-            <a:endParaRPr lang="en-US"/>
           </a:p>
         </p:txBody>
       </p:sp>
@@ -2115,8 +2098,8 @@
         </p:nvSpPr>
         <p:spPr>
           <a:xfrm>
-            <a:off x="3575050" y="273050"/>
-            <a:ext cx="5111750" cy="5853113"/>
+            <a:off x="4766733" y="273051"/>
+            <a:ext cx="6815667" cy="5853113"/>
           </a:xfrm>
         </p:spPr>
         <p:txBody>
@@ -2153,38 +2136,37 @@
           <a:p>
             <a:pPr lvl="0"/>
             <a:r>
-              <a:rPr lang="en-US" smtClean="0"/>
+              <a:rPr lang="en-US"/>
               <a:t>Click to edit Master text styles</a:t>
             </a:r>
           </a:p>
           <a:p>
             <a:pPr lvl="1"/>
             <a:r>
-              <a:rPr lang="en-US" smtClean="0"/>
+              <a:rPr lang="en-US"/>
               <a:t>Second level</a:t>
             </a:r>
           </a:p>
           <a:p>
             <a:pPr lvl="2"/>
             <a:r>
-              <a:rPr lang="en-US" smtClean="0"/>
+              <a:rPr lang="en-US"/>
               <a:t>Third level</a:t>
             </a:r>
           </a:p>
           <a:p>
             <a:pPr lvl="3"/>
             <a:r>
-              <a:rPr lang="en-US" smtClean="0"/>
+              <a:rPr lang="en-US"/>
               <a:t>Fourth level</a:t>
             </a:r>
           </a:p>
           <a:p>
             <a:pPr lvl="4"/>
             <a:r>
-              <a:rPr lang="en-US" smtClean="0"/>
+              <a:rPr lang="en-US"/>
               <a:t>Fifth level</a:t>
             </a:r>
-            <a:endParaRPr lang="en-US"/>
           </a:p>
         </p:txBody>
       </p:sp>
@@ -2200,8 +2182,8 @@
         </p:nvSpPr>
         <p:spPr>
           <a:xfrm>
-            <a:off x="457200" y="1435100"/>
-            <a:ext cx="3008313" cy="4691063"/>
+            <a:off x="609601" y="1435101"/>
+            <a:ext cx="4011084" cy="4691063"/>
           </a:xfrm>
         </p:spPr>
         <p:txBody>
@@ -2247,7 +2229,7 @@
           <a:p>
             <a:pPr lvl="0"/>
             <a:r>
-              <a:rPr lang="en-US" smtClean="0"/>
+              <a:rPr lang="en-US"/>
               <a:t>Click to edit Master text styles</a:t>
             </a:r>
           </a:p>
@@ -2270,7 +2252,7 @@
           <a:p>
             <a:fld id="{241EB5C9-1307-BA42-ABA2-0BC069CD8E7F}" type="datetimeFigureOut">
               <a:rPr lang="en-US" smtClean="0"/>
-              <a:t>4/5/2019</a:t>
+              <a:t>2021-11-07</a:t>
             </a:fld>
             <a:endParaRPr lang="en-US"/>
           </a:p>
@@ -2360,8 +2342,8 @@
         </p:nvSpPr>
         <p:spPr>
           <a:xfrm>
-            <a:off x="1792288" y="4800600"/>
-            <a:ext cx="5486400" cy="566738"/>
+            <a:off x="2389717" y="4800600"/>
+            <a:ext cx="7315200" cy="566738"/>
           </a:xfrm>
         </p:spPr>
         <p:txBody>
@@ -2373,10 +2355,9 @@
           </a:lstStyle>
           <a:p>
             <a:r>
-              <a:rPr lang="en-US" smtClean="0"/>
+              <a:rPr lang="en-US"/>
               <a:t>Click to edit Master title style</a:t>
             </a:r>
-            <a:endParaRPr lang="en-US"/>
           </a:p>
         </p:txBody>
       </p:sp>
@@ -2392,8 +2373,8 @@
         </p:nvSpPr>
         <p:spPr>
           <a:xfrm>
-            <a:off x="1792288" y="612775"/>
-            <a:ext cx="5486400" cy="4114800"/>
+            <a:off x="2389717" y="612775"/>
+            <a:ext cx="7315200" cy="4114800"/>
           </a:xfrm>
         </p:spPr>
         <p:txBody>
@@ -2453,8 +2434,8 @@
         </p:nvSpPr>
         <p:spPr>
           <a:xfrm>
-            <a:off x="1792288" y="5367338"/>
-            <a:ext cx="5486400" cy="804862"/>
+            <a:off x="2389717" y="5367338"/>
+            <a:ext cx="7315200" cy="804862"/>
           </a:xfrm>
         </p:spPr>
         <p:txBody>
@@ -2500,7 +2481,7 @@
           <a:p>
             <a:pPr lvl="0"/>
             <a:r>
-              <a:rPr lang="en-US" smtClean="0"/>
+              <a:rPr lang="en-US"/>
               <a:t>Click to edit Master text styles</a:t>
             </a:r>
           </a:p>
@@ -2523,7 +2504,7 @@
           <a:p>
             <a:fld id="{241EB5C9-1307-BA42-ABA2-0BC069CD8E7F}" type="datetimeFigureOut">
               <a:rPr lang="en-US" smtClean="0"/>
-              <a:t>4/5/2019</a:t>
+              <a:t>2021-11-07</a:t>
             </a:fld>
             <a:endParaRPr lang="en-US"/>
           </a:p>
@@ -2618,8 +2599,8 @@
         </p:nvSpPr>
         <p:spPr>
           <a:xfrm>
-            <a:off x="457200" y="274638"/>
-            <a:ext cx="8229600" cy="1143000"/>
+            <a:off x="609600" y="274638"/>
+            <a:ext cx="10972800" cy="1143000"/>
           </a:xfrm>
           <a:prstGeom prst="rect">
             <a:avLst/>
@@ -2632,10 +2613,9 @@
           <a:lstStyle/>
           <a:p>
             <a:r>
-              <a:rPr lang="en-US" smtClean="0"/>
+              <a:rPr lang="en-US"/>
               <a:t>Click to edit Master title style</a:t>
             </a:r>
-            <a:endParaRPr lang="en-US"/>
           </a:p>
         </p:txBody>
       </p:sp>
@@ -2651,8 +2631,8 @@
         </p:nvSpPr>
         <p:spPr>
           <a:xfrm>
-            <a:off x="457200" y="1600200"/>
-            <a:ext cx="8229600" cy="4525963"/>
+            <a:off x="609600" y="1600201"/>
+            <a:ext cx="10972800" cy="4525963"/>
           </a:xfrm>
           <a:prstGeom prst="rect">
             <a:avLst/>
@@ -2666,38 +2646,37 @@
           <a:p>
             <a:pPr lvl="0"/>
             <a:r>
-              <a:rPr lang="en-US" smtClean="0"/>
+              <a:rPr lang="en-US"/>
               <a:t>Click to edit Master text styles</a:t>
             </a:r>
           </a:p>
           <a:p>
             <a:pPr lvl="1"/>
             <a:r>
-              <a:rPr lang="en-US" smtClean="0"/>
+              <a:rPr lang="en-US"/>
               <a:t>Second level</a:t>
             </a:r>
           </a:p>
           <a:p>
             <a:pPr lvl="2"/>
             <a:r>
-              <a:rPr lang="en-US" smtClean="0"/>
+              <a:rPr lang="en-US"/>
               <a:t>Third level</a:t>
             </a:r>
           </a:p>
           <a:p>
             <a:pPr lvl="3"/>
             <a:r>
-              <a:rPr lang="en-US" smtClean="0"/>
+              <a:rPr lang="en-US"/>
               <a:t>Fourth level</a:t>
             </a:r>
           </a:p>
           <a:p>
             <a:pPr lvl="4"/>
             <a:r>
-              <a:rPr lang="en-US" smtClean="0"/>
+              <a:rPr lang="en-US"/>
               <a:t>Fifth level</a:t>
             </a:r>
-            <a:endParaRPr lang="en-US"/>
           </a:p>
         </p:txBody>
       </p:sp>
@@ -2713,8 +2692,8 @@
         </p:nvSpPr>
         <p:spPr>
           <a:xfrm>
-            <a:off x="457200" y="6356350"/>
-            <a:ext cx="2133600" cy="365125"/>
+            <a:off x="609600" y="6356351"/>
+            <a:ext cx="2844800" cy="365125"/>
           </a:xfrm>
           <a:prstGeom prst="rect">
             <a:avLst/>
@@ -2736,7 +2715,7 @@
           <a:p>
             <a:fld id="{241EB5C9-1307-BA42-ABA2-0BC069CD8E7F}" type="datetimeFigureOut">
               <a:rPr lang="en-US" smtClean="0"/>
-              <a:t>4/5/2019</a:t>
+              <a:t>2021-11-07</a:t>
             </a:fld>
             <a:endParaRPr lang="en-US"/>
           </a:p>
@@ -2754,8 +2733,8 @@
         </p:nvSpPr>
         <p:spPr>
           <a:xfrm>
-            <a:off x="3124200" y="6356350"/>
-            <a:ext cx="2895600" cy="365125"/>
+            <a:off x="4165600" y="6356351"/>
+            <a:ext cx="3860800" cy="365125"/>
           </a:xfrm>
           <a:prstGeom prst="rect">
             <a:avLst/>
@@ -2791,8 +2770,8 @@
         </p:nvSpPr>
         <p:spPr>
           <a:xfrm>
-            <a:off x="6553200" y="6356350"/>
-            <a:ext cx="2133600" cy="365125"/>
+            <a:off x="8737600" y="6356351"/>
+            <a:ext cx="2844800" cy="365125"/>
           </a:xfrm>
           <a:prstGeom prst="rect">
             <a:avLst/>

--- a/presentation/render/eng_intrinsic_drive.pptx
+++ b/presentation/render/eng_intrinsic_drive.pptx
@@ -6,6 +6,7 @@
   </p:sldMasterIdLst>
   <p:sldIdLst>
     <p:sldId id="256" r:id="rId2"/>
+    <p:sldId id="257" r:id="rId3"/>
   </p:sldIdLst>
   <p:sldSz cx="12192000" cy="6858000"/>
   <p:notesSz cx="6858000" cy="9144000"/>
@@ -2613,7 +2614,7 @@
           <a:lstStyle/>
           <a:p>
             <a:r>
-              <a:rPr lang="en-US"/>
+              <a:rPr dirty="0" lang="en-US"/>
               <a:t>Click to edit Master title style</a:t>
             </a:r>
           </a:p>
@@ -2829,7 +2830,7 @@
         <a:buNone/>
         <a:defRPr kern="1200" sz="4400">
           <a:solidFill>
-            <a:schemeClr val="tx1"/>
+            <a:srgbClr val="002060"/>
           </a:solidFill>
           <a:latin typeface="+mj-lt"/>
           <a:ea typeface="+mj-ea"/>
@@ -3074,6 +3075,53 @@
 </file>
 
 <file path=ppt/slides/slide1.xml><?xml version="1.0" encoding="utf-8"?>
+<p:sld xmlns:a="http://schemas.openxmlformats.org/drawingml/2006/main" xmlns:r="http://schemas.openxmlformats.org/officeDocument/2006/relationships" xmlns:p="http://schemas.openxmlformats.org/presentationml/2006/main">
+  <p:cSld>
+    <p:spTree>
+      <p:nvGrpSpPr>
+        <p:cNvPr id="1" name=""/>
+        <p:cNvGrpSpPr/>
+        <p:nvPr/>
+      </p:nvGrpSpPr>
+      <p:grpSpPr>
+        <a:xfrm>
+          <a:off x="0" y="0"/>
+          <a:ext cx="0" cy="0"/>
+          <a:chOff x="0" y="0"/>
+          <a:chExt cx="0" cy="0"/>
+        </a:xfrm>
+      </p:grpSpPr>
+      <p:sp>
+        <p:nvSpPr>
+          <p:cNvPr id="3" name="Content Placeholder 2"/>
+          <p:cNvSpPr>
+            <a:spLocks noGrp="1"/>
+          </p:cNvSpPr>
+          <p:nvPr>
+            <p:ph idx="1"/>
+          </p:nvPr>
+        </p:nvSpPr>
+        <p:spPr/>
+        <p:txBody>
+          <a:bodyPr/>
+          <a:lstStyle/>
+          <a:p>
+            <a:pPr lvl="0" marL="0" indent="0">
+              <a:buNone/>
+            </a:pPr>
+            <a:r>
+              <a:rPr/>
+              <a:t>marp: true</a:t>
+            </a:r>
+          </a:p>
+        </p:txBody>
+      </p:sp>
+    </p:spTree>
+  </p:cSld>
+</p:sld>
+</file>
+
+<file path=ppt/slides/slide2.xml><?xml version="1.0" encoding="utf-8"?>
 <p:sld xmlns:a="http://schemas.openxmlformats.org/drawingml/2006/main" xmlns:r="http://schemas.openxmlformats.org/officeDocument/2006/relationships" xmlns:p="http://schemas.openxmlformats.org/presentationml/2006/main">
   <p:cSld>
     <p:spTree>
